--- a/docs/demo20.node.api.pptx
+++ b/docs/demo20.node.api.pptx
@@ -104,6 +104,11 @@
       </a:defRPr>
     </a:lvl9pPr>
   </p:defaultTextStyle>
+  <p:extLst>
+    <p:ext uri="{EFAFB233-063F-42B5-8137-9DF3F51BA10A}">
+      <p15:sldGuideLst xmlns:p15="http://schemas.microsoft.com/office/powerpoint/2012/main"/>
+    </p:ext>
+  </p:extLst>
 </p:presentation>
 </file>
 
@@ -3572,7 +3577,7 @@
         </p:nvSpPr>
         <p:spPr>
           <a:xfrm>
-            <a:off x="3104129" y="913334"/>
+            <a:off x="3101643" y="488637"/>
             <a:ext cx="1459346" cy="581891"/>
           </a:xfrm>
           <a:prstGeom prst="rect">
@@ -3621,7 +3626,7 @@
         </p:nvSpPr>
         <p:spPr>
           <a:xfrm>
-            <a:off x="3104129" y="2825796"/>
+            <a:off x="3104129" y="3267407"/>
             <a:ext cx="1459346" cy="763955"/>
           </a:xfrm>
           <a:prstGeom prst="rect">
@@ -3670,7 +3675,7 @@
         </p:nvSpPr>
         <p:spPr>
           <a:xfrm>
-            <a:off x="7760322" y="1897794"/>
+            <a:off x="8882009" y="1935373"/>
             <a:ext cx="785091" cy="581891"/>
           </a:xfrm>
           <a:prstGeom prst="rect">
@@ -3699,10 +3704,9 @@
           <a:p>
             <a:pPr algn="ctr"/>
             <a:r>
-              <a:rPr lang="en-GB" dirty="0" err="1"/>
-              <a:t>Dto</a:t>
-            </a:r>
-            <a:endParaRPr lang="en-GB" dirty="0"/>
+              <a:rPr lang="en-GB" dirty="0"/>
+              <a:t>DTO</a:t>
+            </a:r>
           </a:p>
         </p:txBody>
       </p:sp>
@@ -3720,7 +3724,7 @@
         </p:nvSpPr>
         <p:spPr>
           <a:xfrm>
-            <a:off x="3101643" y="4738258"/>
+            <a:off x="3101643" y="5279032"/>
             <a:ext cx="1459346" cy="581891"/>
           </a:xfrm>
           <a:prstGeom prst="rect">
@@ -3750,7 +3754,7 @@
             <a:pPr algn="ctr"/>
             <a:r>
               <a:rPr lang="en-GB" dirty="0"/>
-              <a:t>Models</a:t>
+              <a:t>Entities</a:t>
             </a:r>
           </a:p>
         </p:txBody>
@@ -3769,7 +3773,7 @@
         </p:nvSpPr>
         <p:spPr>
           <a:xfrm>
-            <a:off x="7423195" y="2934414"/>
+            <a:off x="8531559" y="3383263"/>
             <a:ext cx="1459346" cy="581891"/>
           </a:xfrm>
           <a:prstGeom prst="rect">
@@ -3818,7 +3822,7 @@
         </p:nvSpPr>
         <p:spPr>
           <a:xfrm>
-            <a:off x="352405" y="913333"/>
+            <a:off x="349919" y="488636"/>
             <a:ext cx="1459346" cy="581891"/>
           </a:xfrm>
           <a:prstGeom prst="rect">
@@ -3872,7 +3876,7 @@
         </p:nvSpPr>
         <p:spPr>
           <a:xfrm>
-            <a:off x="352405" y="2909187"/>
+            <a:off x="352405" y="3350798"/>
             <a:ext cx="1459346" cy="581891"/>
           </a:xfrm>
           <a:prstGeom prst="rect">
@@ -3930,8 +3934,8 @@
         </p:nvCxnSpPr>
         <p:spPr>
           <a:xfrm flipH="1">
-            <a:off x="3831316" y="3589751"/>
-            <a:ext cx="2486" cy="1148507"/>
+            <a:off x="3831316" y="4031362"/>
+            <a:ext cx="2486" cy="1247670"/>
           </a:xfrm>
           <a:prstGeom prst="straightConnector1">
             <a:avLst/>
@@ -3977,8 +3981,8 @@
         </p:nvCxnSpPr>
         <p:spPr>
           <a:xfrm>
-            <a:off x="3833802" y="1495225"/>
-            <a:ext cx="0" cy="1330571"/>
+            <a:off x="3831316" y="1070528"/>
+            <a:ext cx="2486" cy="2196879"/>
           </a:xfrm>
           <a:prstGeom prst="straightConnector1">
             <a:avLst/>
@@ -4024,8 +4028,8 @@
         </p:nvCxnSpPr>
         <p:spPr>
           <a:xfrm>
-            <a:off x="4563475" y="3207774"/>
-            <a:ext cx="2859720" cy="17586"/>
+            <a:off x="4563475" y="3649385"/>
+            <a:ext cx="3968084" cy="24824"/>
           </a:xfrm>
           <a:prstGeom prst="straightConnector1">
             <a:avLst/>
@@ -4071,8 +4075,8 @@
         </p:nvCxnSpPr>
         <p:spPr>
           <a:xfrm flipV="1">
-            <a:off x="8152868" y="2479685"/>
-            <a:ext cx="0" cy="454729"/>
+            <a:off x="9261232" y="2517264"/>
+            <a:ext cx="13323" cy="865999"/>
           </a:xfrm>
           <a:prstGeom prst="straightConnector1">
             <a:avLst/>
@@ -4118,8 +4122,8 @@
         </p:nvCxnSpPr>
         <p:spPr>
           <a:xfrm>
-            <a:off x="4563475" y="1204280"/>
-            <a:ext cx="3589393" cy="693514"/>
+            <a:off x="4560989" y="779583"/>
+            <a:ext cx="4713566" cy="1155790"/>
           </a:xfrm>
           <a:prstGeom prst="bentConnector2">
             <a:avLst/>
@@ -4165,8 +4169,8 @@
         </p:nvCxnSpPr>
         <p:spPr>
           <a:xfrm rot="5400000">
-            <a:off x="5600480" y="2476815"/>
-            <a:ext cx="1512899" cy="3591879"/>
+            <a:off x="6108699" y="2417445"/>
+            <a:ext cx="1604824" cy="4700243"/>
           </a:xfrm>
           <a:prstGeom prst="bentConnector2">
             <a:avLst/>
@@ -4212,7 +4216,7 @@
         </p:nvCxnSpPr>
         <p:spPr>
           <a:xfrm>
-            <a:off x="1811751" y="1204279"/>
+            <a:off x="1809265" y="779582"/>
             <a:ext cx="1292378" cy="1"/>
           </a:xfrm>
           <a:prstGeom prst="straightConnector1">
@@ -4259,7 +4263,7 @@
         </p:nvCxnSpPr>
         <p:spPr>
           <a:xfrm>
-            <a:off x="1811751" y="3200133"/>
+            <a:off x="1811751" y="3641744"/>
             <a:ext cx="1292378" cy="7641"/>
           </a:xfrm>
           <a:prstGeom prst="straightConnector1">
@@ -4306,8 +4310,8 @@
         </p:nvCxnSpPr>
         <p:spPr>
           <a:xfrm flipV="1">
-            <a:off x="4563475" y="2188740"/>
-            <a:ext cx="3196847" cy="1019034"/>
+            <a:off x="4563475" y="2226319"/>
+            <a:ext cx="4318534" cy="1423066"/>
           </a:xfrm>
           <a:prstGeom prst="straightConnector1">
             <a:avLst/>
@@ -4335,6 +4339,423 @@
           </a:fontRef>
         </p:style>
       </p:cxnSp>
+      <p:sp>
+        <p:nvSpPr>
+          <p:cNvPr id="22" name="Rectangle 21">
+            <a:extLst>
+              <a:ext uri="{FF2B5EF4-FFF2-40B4-BE49-F238E27FC236}">
+                <a16:creationId xmlns:a16="http://schemas.microsoft.com/office/drawing/2014/main" id="{F11C52C8-16AF-474B-8CD4-741EB37FB510}"/>
+              </a:ext>
+            </a:extLst>
+          </p:cNvPr>
+          <p:cNvSpPr/>
+          <p:nvPr/>
+        </p:nvSpPr>
+        <p:spPr>
+          <a:xfrm>
+            <a:off x="2194698" y="1935373"/>
+            <a:ext cx="1159530" cy="665282"/>
+          </a:xfrm>
+          <a:prstGeom prst="rect">
+            <a:avLst/>
+          </a:prstGeom>
+          <a:solidFill>
+            <a:schemeClr val="accent2">
+              <a:lumMod val="75000"/>
+            </a:schemeClr>
+          </a:solidFill>
+        </p:spPr>
+        <p:style>
+          <a:lnRef idx="2">
+            <a:schemeClr val="accent1">
+              <a:shade val="50000"/>
+            </a:schemeClr>
+          </a:lnRef>
+          <a:fillRef idx="1">
+            <a:schemeClr val="accent1"/>
+          </a:fillRef>
+          <a:effectRef idx="0">
+            <a:schemeClr val="accent1"/>
+          </a:effectRef>
+          <a:fontRef idx="minor">
+            <a:schemeClr val="lt1"/>
+          </a:fontRef>
+        </p:style>
+        <p:txBody>
+          <a:bodyPr rtlCol="0" anchor="ctr"/>
+          <a:lstStyle/>
+          <a:p>
+            <a:pPr algn="ctr"/>
+            <a:r>
+              <a:rPr lang="en-GB" dirty="0"/>
+              <a:t>Data Services</a:t>
+            </a:r>
+          </a:p>
+        </p:txBody>
+      </p:sp>
+      <p:sp>
+        <p:nvSpPr>
+          <p:cNvPr id="28" name="Rectangle 27">
+            <a:extLst>
+              <a:ext uri="{FF2B5EF4-FFF2-40B4-BE49-F238E27FC236}">
+                <a16:creationId xmlns:a16="http://schemas.microsoft.com/office/drawing/2014/main" id="{F9EE0DB5-834D-42F1-9E36-5F439C8B64E7}"/>
+              </a:ext>
+            </a:extLst>
+          </p:cNvPr>
+          <p:cNvSpPr/>
+          <p:nvPr/>
+        </p:nvSpPr>
+        <p:spPr>
+          <a:xfrm>
+            <a:off x="4631860" y="1935373"/>
+            <a:ext cx="1190426" cy="581891"/>
+          </a:xfrm>
+          <a:prstGeom prst="rect">
+            <a:avLst/>
+          </a:prstGeom>
+          <a:solidFill>
+            <a:schemeClr val="accent2">
+              <a:lumMod val="75000"/>
+            </a:schemeClr>
+          </a:solidFill>
+        </p:spPr>
+        <p:style>
+          <a:lnRef idx="2">
+            <a:schemeClr val="accent1">
+              <a:shade val="50000"/>
+            </a:schemeClr>
+          </a:lnRef>
+          <a:fillRef idx="1">
+            <a:schemeClr val="accent1"/>
+          </a:fillRef>
+          <a:effectRef idx="0">
+            <a:schemeClr val="accent1"/>
+          </a:effectRef>
+          <a:fontRef idx="minor">
+            <a:schemeClr val="lt1"/>
+          </a:fontRef>
+        </p:style>
+        <p:txBody>
+          <a:bodyPr rtlCol="0" anchor="ctr"/>
+          <a:lstStyle/>
+          <a:p>
+            <a:pPr algn="ctr"/>
+            <a:r>
+              <a:rPr lang="en-GB" dirty="0" err="1"/>
+              <a:t>Api</a:t>
+            </a:r>
+            <a:r>
+              <a:rPr lang="en-GB" dirty="0"/>
+              <a:t> Clients</a:t>
+            </a:r>
+          </a:p>
+        </p:txBody>
+      </p:sp>
+      <p:cxnSp>
+        <p:nvCxnSpPr>
+          <p:cNvPr id="32" name="Straight Arrow Connector 31">
+            <a:extLst>
+              <a:ext uri="{FF2B5EF4-FFF2-40B4-BE49-F238E27FC236}">
+                <a16:creationId xmlns:a16="http://schemas.microsoft.com/office/drawing/2014/main" id="{F87A4E54-69B8-4AC7-B7D2-4FA26BB40EA7}"/>
+              </a:ext>
+            </a:extLst>
+          </p:cNvPr>
+          <p:cNvCxnSpPr>
+            <a:cxnSpLocks/>
+            <a:stCxn id="4" idx="3"/>
+            <a:endCxn id="28" idx="0"/>
+          </p:cNvCxnSpPr>
+          <p:nvPr/>
+        </p:nvCxnSpPr>
+        <p:spPr>
+          <a:xfrm>
+            <a:off x="4560989" y="779583"/>
+            <a:ext cx="666084" cy="1155790"/>
+          </a:xfrm>
+          <a:prstGeom prst="straightConnector1">
+            <a:avLst/>
+          </a:prstGeom>
+          <a:ln w="38100">
+            <a:solidFill>
+              <a:schemeClr val="tx1"/>
+            </a:solidFill>
+            <a:headEnd w="lg" len="lg"/>
+            <a:tailEnd type="stealth" w="lg" len="lg"/>
+          </a:ln>
+        </p:spPr>
+        <p:style>
+          <a:lnRef idx="1">
+            <a:schemeClr val="accent1"/>
+          </a:lnRef>
+          <a:fillRef idx="0">
+            <a:schemeClr val="accent1"/>
+          </a:fillRef>
+          <a:effectRef idx="0">
+            <a:schemeClr val="accent1"/>
+          </a:effectRef>
+          <a:fontRef idx="minor">
+            <a:schemeClr val="tx1"/>
+          </a:fontRef>
+        </p:style>
+      </p:cxnSp>
+      <p:cxnSp>
+        <p:nvCxnSpPr>
+          <p:cNvPr id="35" name="Straight Arrow Connector 34">
+            <a:extLst>
+              <a:ext uri="{FF2B5EF4-FFF2-40B4-BE49-F238E27FC236}">
+                <a16:creationId xmlns:a16="http://schemas.microsoft.com/office/drawing/2014/main" id="{C23459F7-8021-49B4-BF40-86C29D65A594}"/>
+              </a:ext>
+            </a:extLst>
+          </p:cNvPr>
+          <p:cNvCxnSpPr>
+            <a:cxnSpLocks/>
+            <a:stCxn id="22" idx="2"/>
+          </p:cNvCxnSpPr>
+          <p:nvPr/>
+        </p:nvCxnSpPr>
+        <p:spPr>
+          <a:xfrm>
+            <a:off x="2774463" y="2600655"/>
+            <a:ext cx="677630" cy="680430"/>
+          </a:xfrm>
+          <a:prstGeom prst="straightConnector1">
+            <a:avLst/>
+          </a:prstGeom>
+          <a:ln w="38100">
+            <a:solidFill>
+              <a:schemeClr val="tx1"/>
+            </a:solidFill>
+            <a:headEnd w="lg" len="lg"/>
+            <a:tailEnd type="stealth" w="lg" len="lg"/>
+          </a:ln>
+        </p:spPr>
+        <p:style>
+          <a:lnRef idx="1">
+            <a:schemeClr val="accent1"/>
+          </a:lnRef>
+          <a:fillRef idx="0">
+            <a:schemeClr val="accent1"/>
+          </a:fillRef>
+          <a:effectRef idx="0">
+            <a:schemeClr val="accent1"/>
+          </a:effectRef>
+          <a:fontRef idx="minor">
+            <a:schemeClr val="tx1"/>
+          </a:fontRef>
+        </p:style>
+      </p:cxnSp>
+      <p:cxnSp>
+        <p:nvCxnSpPr>
+          <p:cNvPr id="36" name="Straight Arrow Connector 35">
+            <a:extLst>
+              <a:ext uri="{FF2B5EF4-FFF2-40B4-BE49-F238E27FC236}">
+                <a16:creationId xmlns:a16="http://schemas.microsoft.com/office/drawing/2014/main" id="{95A8F295-4FA0-4EC6-9F91-353A9D964646}"/>
+              </a:ext>
+            </a:extLst>
+          </p:cNvPr>
+          <p:cNvCxnSpPr>
+            <a:cxnSpLocks/>
+            <a:stCxn id="4" idx="1"/>
+            <a:endCxn id="22" idx="0"/>
+          </p:cNvCxnSpPr>
+          <p:nvPr/>
+        </p:nvCxnSpPr>
+        <p:spPr>
+          <a:xfrm flipH="1">
+            <a:off x="2774463" y="779583"/>
+            <a:ext cx="327180" cy="1155790"/>
+          </a:xfrm>
+          <a:prstGeom prst="straightConnector1">
+            <a:avLst/>
+          </a:prstGeom>
+          <a:ln w="38100">
+            <a:solidFill>
+              <a:schemeClr val="tx1"/>
+            </a:solidFill>
+            <a:headEnd w="lg" len="lg"/>
+            <a:tailEnd type="stealth" w="lg" len="lg"/>
+          </a:ln>
+        </p:spPr>
+        <p:style>
+          <a:lnRef idx="1">
+            <a:schemeClr val="accent1"/>
+          </a:lnRef>
+          <a:fillRef idx="0">
+            <a:schemeClr val="accent1"/>
+          </a:fillRef>
+          <a:effectRef idx="0">
+            <a:schemeClr val="accent1"/>
+          </a:effectRef>
+          <a:fontRef idx="minor">
+            <a:schemeClr val="tx1"/>
+          </a:fontRef>
+        </p:style>
+      </p:cxnSp>
+      <p:cxnSp>
+        <p:nvCxnSpPr>
+          <p:cNvPr id="38" name="Straight Arrow Connector 37">
+            <a:extLst>
+              <a:ext uri="{FF2B5EF4-FFF2-40B4-BE49-F238E27FC236}">
+                <a16:creationId xmlns:a16="http://schemas.microsoft.com/office/drawing/2014/main" id="{52042A23-5CCB-41DA-AFC5-12A7A16DAF4A}"/>
+              </a:ext>
+            </a:extLst>
+          </p:cNvPr>
+          <p:cNvCxnSpPr>
+            <a:cxnSpLocks/>
+            <a:stCxn id="28" idx="2"/>
+          </p:cNvCxnSpPr>
+          <p:nvPr/>
+        </p:nvCxnSpPr>
+        <p:spPr>
+          <a:xfrm flipH="1">
+            <a:off x="4283895" y="2517264"/>
+            <a:ext cx="943178" cy="724392"/>
+          </a:xfrm>
+          <a:prstGeom prst="straightConnector1">
+            <a:avLst/>
+          </a:prstGeom>
+          <a:ln w="38100">
+            <a:solidFill>
+              <a:schemeClr val="tx1"/>
+            </a:solidFill>
+            <a:headEnd w="lg" len="lg"/>
+            <a:tailEnd type="stealth" w="lg" len="lg"/>
+          </a:ln>
+        </p:spPr>
+        <p:style>
+          <a:lnRef idx="1">
+            <a:schemeClr val="accent1"/>
+          </a:lnRef>
+          <a:fillRef idx="0">
+            <a:schemeClr val="accent1"/>
+          </a:fillRef>
+          <a:effectRef idx="0">
+            <a:schemeClr val="accent1"/>
+          </a:effectRef>
+          <a:fontRef idx="minor">
+            <a:schemeClr val="tx1"/>
+          </a:fontRef>
+        </p:style>
+      </p:cxnSp>
+      <p:sp>
+        <p:nvSpPr>
+          <p:cNvPr id="50" name="Rectangle 1">
+            <a:extLst>
+              <a:ext uri="{FF2B5EF4-FFF2-40B4-BE49-F238E27FC236}">
+                <a16:creationId xmlns:a16="http://schemas.microsoft.com/office/drawing/2014/main" id="{A6BD8706-C79D-4D22-A5C5-1ECC4E258D85}"/>
+              </a:ext>
+            </a:extLst>
+          </p:cNvPr>
+          <p:cNvSpPr>
+            <a:spLocks noChangeArrowheads="1"/>
+          </p:cNvSpPr>
+          <p:nvPr/>
+        </p:nvSpPr>
+        <p:spPr bwMode="auto">
+          <a:xfrm>
+            <a:off x="0" y="0"/>
+            <a:ext cx="12192000" cy="0"/>
+          </a:xfrm>
+          <a:prstGeom prst="rect">
+            <a:avLst/>
+          </a:prstGeom>
+          <a:noFill/>
+          <a:ln>
+            <a:noFill/>
+          </a:ln>
+          <a:effectLst/>
+          <a:extLst>
+            <a:ext uri="{909E8E84-426E-40DD-AFC4-6F175D3DCCD1}">
+              <a14:hiddenFill xmlns:a14="http://schemas.microsoft.com/office/drawing/2010/main">
+                <a:solidFill>
+                  <a:schemeClr val="accent1"/>
+                </a:solidFill>
+              </a14:hiddenFill>
+            </a:ext>
+            <a:ext uri="{91240B29-F687-4F45-9708-019B960494DF}">
+              <a14:hiddenLine xmlns:a14="http://schemas.microsoft.com/office/drawing/2010/main" w="9525">
+                <a:solidFill>
+                  <a:schemeClr val="tx1"/>
+                </a:solidFill>
+                <a:miter lim="800000"/>
+                <a:headEnd/>
+                <a:tailEnd/>
+              </a14:hiddenLine>
+            </a:ext>
+            <a:ext uri="{AF507438-7753-43E0-B8FC-AC1667EBCBE1}">
+              <a14:hiddenEffects xmlns:a14="http://schemas.microsoft.com/office/drawing/2010/main">
+                <a:effectLst>
+                  <a:outerShdw dist="35921" dir="2700000" algn="ctr" rotWithShape="0">
+                    <a:schemeClr val="bg2"/>
+                  </a:outerShdw>
+                </a:effectLst>
+              </a14:hiddenEffects>
+            </a:ext>
+          </a:extLst>
+        </p:spPr>
+        <p:txBody>
+          <a:bodyPr vert="horz" wrap="none" lIns="91440" tIns="45720" rIns="91440" bIns="45720" numCol="1" anchor="ctr" anchorCtr="0" compatLnSpc="1">
+            <a:prstTxWarp prst="textNoShape">
+              <a:avLst/>
+            </a:prstTxWarp>
+            <a:spAutoFit/>
+          </a:bodyPr>
+          <a:lstStyle/>
+          <a:p>
+            <a:pPr marL="0" marR="0" lvl="0" indent="0" algn="l" defTabSz="914400" rtl="0" eaLnBrk="0" fontAlgn="base" latinLnBrk="0" hangingPunct="0">
+              <a:lnSpc>
+                <a:spcPct val="100000"/>
+              </a:lnSpc>
+              <a:spcBef>
+                <a:spcPct val="0"/>
+              </a:spcBef>
+              <a:spcAft>
+                <a:spcPct val="0"/>
+              </a:spcAft>
+              <a:buClrTx/>
+              <a:buSzTx/>
+              <a:buFontTx/>
+              <a:buNone/>
+              <a:tabLst/>
+            </a:pPr>
+            <a:r>
+              <a:rPr kumimoji="0" lang="en-US" altLang="en-US" sz="1200" b="0" i="0" u="none" strike="noStrike" cap="none" normalizeH="0" baseline="0">
+                <a:ln>
+                  <a:noFill/>
+                </a:ln>
+                <a:solidFill>
+                  <a:srgbClr val="333333"/>
+                </a:solidFill>
+                <a:effectLst/>
+                <a:latin typeface="Open Sans"/>
+              </a:rPr>
+              <a:t>Entities</a:t>
+            </a:r>
+            <a:r>
+              <a:rPr kumimoji="0" lang="en-US" altLang="en-US" sz="800" b="0" i="0" u="none" strike="noStrike" cap="none" normalizeH="0" baseline="0">
+                <a:ln>
+                  <a:noFill/>
+                </a:ln>
+                <a:solidFill>
+                  <a:schemeClr val="tx1"/>
+                </a:solidFill>
+                <a:effectLst/>
+              </a:rPr>
+              <a:t> </a:t>
+            </a:r>
+            <a:endParaRPr kumimoji="0" lang="en-US" altLang="en-US" sz="1800" b="0" i="0" u="none" strike="noStrike" cap="none" normalizeH="0" baseline="0">
+              <a:ln>
+                <a:noFill/>
+              </a:ln>
+              <a:solidFill>
+                <a:schemeClr val="tx1"/>
+              </a:solidFill>
+              <a:effectLst/>
+              <a:latin typeface="Arial" panose="020B0604020202020204" pitchFamily="34" charset="0"/>
+            </a:endParaRPr>
+          </a:p>
+        </p:txBody>
+      </p:sp>
     </p:spTree>
     <p:extLst>
       <p:ext uri="{BB962C8B-B14F-4D97-AF65-F5344CB8AC3E}">

--- a/docs/demo20.node.api.pptx
+++ b/docs/demo20.node.api.pptx
@@ -261,7 +261,7 @@
           <a:p>
             <a:fld id="{1A824831-5383-46F3-BED6-B18298195F07}" type="datetimeFigureOut">
               <a:rPr lang="en-GB" smtClean="0"/>
-              <a:t>08/07/2020</a:t>
+              <a:t>11/07/2020</a:t>
             </a:fld>
             <a:endParaRPr lang="en-GB"/>
           </a:p>
@@ -461,7 +461,7 @@
           <a:p>
             <a:fld id="{1A824831-5383-46F3-BED6-B18298195F07}" type="datetimeFigureOut">
               <a:rPr lang="en-GB" smtClean="0"/>
-              <a:t>08/07/2020</a:t>
+              <a:t>11/07/2020</a:t>
             </a:fld>
             <a:endParaRPr lang="en-GB"/>
           </a:p>
@@ -671,7 +671,7 @@
           <a:p>
             <a:fld id="{1A824831-5383-46F3-BED6-B18298195F07}" type="datetimeFigureOut">
               <a:rPr lang="en-GB" smtClean="0"/>
-              <a:t>08/07/2020</a:t>
+              <a:t>11/07/2020</a:t>
             </a:fld>
             <a:endParaRPr lang="en-GB"/>
           </a:p>
@@ -871,7 +871,7 @@
           <a:p>
             <a:fld id="{1A824831-5383-46F3-BED6-B18298195F07}" type="datetimeFigureOut">
               <a:rPr lang="en-GB" smtClean="0"/>
-              <a:t>08/07/2020</a:t>
+              <a:t>11/07/2020</a:t>
             </a:fld>
             <a:endParaRPr lang="en-GB"/>
           </a:p>
@@ -1147,7 +1147,7 @@
           <a:p>
             <a:fld id="{1A824831-5383-46F3-BED6-B18298195F07}" type="datetimeFigureOut">
               <a:rPr lang="en-GB" smtClean="0"/>
-              <a:t>08/07/2020</a:t>
+              <a:t>11/07/2020</a:t>
             </a:fld>
             <a:endParaRPr lang="en-GB"/>
           </a:p>
@@ -1415,7 +1415,7 @@
           <a:p>
             <a:fld id="{1A824831-5383-46F3-BED6-B18298195F07}" type="datetimeFigureOut">
               <a:rPr lang="en-GB" smtClean="0"/>
-              <a:t>08/07/2020</a:t>
+              <a:t>11/07/2020</a:t>
             </a:fld>
             <a:endParaRPr lang="en-GB"/>
           </a:p>
@@ -1830,7 +1830,7 @@
           <a:p>
             <a:fld id="{1A824831-5383-46F3-BED6-B18298195F07}" type="datetimeFigureOut">
               <a:rPr lang="en-GB" smtClean="0"/>
-              <a:t>08/07/2020</a:t>
+              <a:t>11/07/2020</a:t>
             </a:fld>
             <a:endParaRPr lang="en-GB"/>
           </a:p>
@@ -1972,7 +1972,7 @@
           <a:p>
             <a:fld id="{1A824831-5383-46F3-BED6-B18298195F07}" type="datetimeFigureOut">
               <a:rPr lang="en-GB" smtClean="0"/>
-              <a:t>08/07/2020</a:t>
+              <a:t>11/07/2020</a:t>
             </a:fld>
             <a:endParaRPr lang="en-GB"/>
           </a:p>
@@ -2085,7 +2085,7 @@
           <a:p>
             <a:fld id="{1A824831-5383-46F3-BED6-B18298195F07}" type="datetimeFigureOut">
               <a:rPr lang="en-GB" smtClean="0"/>
-              <a:t>08/07/2020</a:t>
+              <a:t>11/07/2020</a:t>
             </a:fld>
             <a:endParaRPr lang="en-GB"/>
           </a:p>
@@ -2398,7 +2398,7 @@
           <a:p>
             <a:fld id="{1A824831-5383-46F3-BED6-B18298195F07}" type="datetimeFigureOut">
               <a:rPr lang="en-GB" smtClean="0"/>
-              <a:t>08/07/2020</a:t>
+              <a:t>11/07/2020</a:t>
             </a:fld>
             <a:endParaRPr lang="en-GB"/>
           </a:p>
@@ -2687,7 +2687,7 @@
           <a:p>
             <a:fld id="{1A824831-5383-46F3-BED6-B18298195F07}" type="datetimeFigureOut">
               <a:rPr lang="en-GB" smtClean="0"/>
-              <a:t>08/07/2020</a:t>
+              <a:t>11/07/2020</a:t>
             </a:fld>
             <a:endParaRPr lang="en-GB"/>
           </a:p>
@@ -2930,7 +2930,7 @@
           <a:p>
             <a:fld id="{1A824831-5383-46F3-BED6-B18298195F07}" type="datetimeFigureOut">
               <a:rPr lang="en-GB" smtClean="0"/>
-              <a:t>08/07/2020</a:t>
+              <a:t>11/07/2020</a:t>
             </a:fld>
             <a:endParaRPr lang="en-GB"/>
           </a:p>
@@ -3361,8 +3361,8 @@
         </p:nvSpPr>
         <p:spPr>
           <a:xfrm>
-            <a:off x="105508" y="164123"/>
-            <a:ext cx="11734087" cy="2062196"/>
+            <a:off x="105508" y="1189236"/>
+            <a:ext cx="11734087" cy="1800000"/>
           </a:xfrm>
           <a:prstGeom prst="rect">
             <a:avLst/>
@@ -3371,7 +3371,7 @@
             <a:schemeClr val="accent2">
               <a:lumMod val="40000"/>
               <a:lumOff val="60000"/>
-              <a:alpha val="23000"/>
+              <a:alpha val="27000"/>
             </a:schemeClr>
           </a:solidFill>
           <a:ln>
@@ -3415,7 +3415,6 @@
               </a:rPr>
               <a:t>Controller layer</a:t>
             </a:r>
-            <a:endParaRPr lang="en-GB" dirty="0"/>
           </a:p>
         </p:txBody>
       </p:sp>
@@ -3433,8 +3432,8 @@
         </p:nvSpPr>
         <p:spPr>
           <a:xfrm>
-            <a:off x="105507" y="2210558"/>
-            <a:ext cx="11734087" cy="2062196"/>
+            <a:off x="105507" y="2987825"/>
+            <a:ext cx="11734087" cy="1800000"/>
           </a:xfrm>
           <a:prstGeom prst="rect">
             <a:avLst/>
@@ -3443,7 +3442,7 @@
             <a:schemeClr val="accent2">
               <a:lumMod val="40000"/>
               <a:lumOff val="60000"/>
-              <a:alpha val="49000"/>
+              <a:alpha val="66000"/>
             </a:schemeClr>
           </a:solidFill>
           <a:ln>
@@ -3487,7 +3486,6 @@
               </a:rPr>
               <a:t>Business layer</a:t>
             </a:r>
-            <a:endParaRPr lang="en-GB" dirty="0"/>
           </a:p>
         </p:txBody>
       </p:sp>
@@ -3505,8 +3503,8 @@
         </p:nvSpPr>
         <p:spPr>
           <a:xfrm>
-            <a:off x="105506" y="4256993"/>
-            <a:ext cx="11734087" cy="2062196"/>
+            <a:off x="105506" y="4788370"/>
+            <a:ext cx="11734087" cy="1800000"/>
           </a:xfrm>
           <a:prstGeom prst="rect">
             <a:avLst/>
@@ -3515,7 +3513,6 @@
             <a:schemeClr val="accent2">
               <a:lumMod val="40000"/>
               <a:lumOff val="60000"/>
-              <a:alpha val="66000"/>
             </a:schemeClr>
           </a:solidFill>
           <a:ln>
@@ -3577,7 +3574,7 @@
         </p:nvSpPr>
         <p:spPr>
           <a:xfrm>
-            <a:off x="3101643" y="488637"/>
+            <a:off x="4056683" y="1619369"/>
             <a:ext cx="1459346" cy="581891"/>
           </a:xfrm>
           <a:prstGeom prst="rect">
@@ -3626,7 +3623,7 @@
         </p:nvSpPr>
         <p:spPr>
           <a:xfrm>
-            <a:off x="3104129" y="3267407"/>
+            <a:off x="4059169" y="3117770"/>
             <a:ext cx="1459346" cy="763955"/>
           </a:xfrm>
           <a:prstGeom prst="rect">
@@ -3675,7 +3672,7 @@
         </p:nvSpPr>
         <p:spPr>
           <a:xfrm>
-            <a:off x="8882009" y="1935373"/>
+            <a:off x="8882009" y="2689976"/>
             <a:ext cx="785091" cy="581891"/>
           </a:xfrm>
           <a:prstGeom prst="rect">
@@ -3724,7 +3721,7 @@
         </p:nvSpPr>
         <p:spPr>
           <a:xfrm>
-            <a:off x="3101643" y="5279032"/>
+            <a:off x="4056683" y="5507755"/>
             <a:ext cx="1459346" cy="581891"/>
           </a:xfrm>
           <a:prstGeom prst="rect">
@@ -3773,7 +3770,7 @@
         </p:nvSpPr>
         <p:spPr>
           <a:xfrm>
-            <a:off x="8531559" y="3383263"/>
+            <a:off x="8531559" y="3761948"/>
             <a:ext cx="1459346" cy="581891"/>
           </a:xfrm>
           <a:prstGeom prst="rect">
@@ -3822,7 +3819,7 @@
         </p:nvSpPr>
         <p:spPr>
           <a:xfrm>
-            <a:off x="349919" y="488636"/>
+            <a:off x="349919" y="1619368"/>
             <a:ext cx="1459346" cy="581891"/>
           </a:xfrm>
           <a:prstGeom prst="rect">
@@ -3876,7 +3873,7 @@
         </p:nvSpPr>
         <p:spPr>
           <a:xfrm>
-            <a:off x="352405" y="3350798"/>
+            <a:off x="352405" y="3201161"/>
             <a:ext cx="1459346" cy="581891"/>
           </a:xfrm>
           <a:prstGeom prst="rect">
@@ -3934,8 +3931,8 @@
         </p:nvCxnSpPr>
         <p:spPr>
           <a:xfrm flipH="1">
-            <a:off x="3831316" y="4031362"/>
-            <a:ext cx="2486" cy="1247670"/>
+            <a:off x="4786356" y="3881725"/>
+            <a:ext cx="2486" cy="1626030"/>
           </a:xfrm>
           <a:prstGeom prst="straightConnector1">
             <a:avLst/>
@@ -3981,8 +3978,8 @@
         </p:nvCxnSpPr>
         <p:spPr>
           <a:xfrm>
-            <a:off x="3831316" y="1070528"/>
-            <a:ext cx="2486" cy="2196879"/>
+            <a:off x="4786356" y="2201260"/>
+            <a:ext cx="2486" cy="916510"/>
           </a:xfrm>
           <a:prstGeom prst="straightConnector1">
             <a:avLst/>
@@ -4028,8 +4025,8 @@
         </p:nvCxnSpPr>
         <p:spPr>
           <a:xfrm>
-            <a:off x="4563475" y="3649385"/>
-            <a:ext cx="3968084" cy="24824"/>
+            <a:off x="5518515" y="3499748"/>
+            <a:ext cx="3013044" cy="553146"/>
           </a:xfrm>
           <a:prstGeom prst="straightConnector1">
             <a:avLst/>
@@ -4075,8 +4072,8 @@
         </p:nvCxnSpPr>
         <p:spPr>
           <a:xfrm flipV="1">
-            <a:off x="9261232" y="2517264"/>
-            <a:ext cx="13323" cy="865999"/>
+            <a:off x="9261232" y="3271867"/>
+            <a:ext cx="13323" cy="490081"/>
           </a:xfrm>
           <a:prstGeom prst="straightConnector1">
             <a:avLst/>
@@ -4122,8 +4119,8 @@
         </p:nvCxnSpPr>
         <p:spPr>
           <a:xfrm>
-            <a:off x="4560989" y="779583"/>
-            <a:ext cx="4713566" cy="1155790"/>
+            <a:off x="5516029" y="1910315"/>
+            <a:ext cx="3758526" cy="779661"/>
           </a:xfrm>
           <a:prstGeom prst="bentConnector2">
             <a:avLst/>
@@ -4169,8 +4166,8 @@
         </p:nvCxnSpPr>
         <p:spPr>
           <a:xfrm rot="5400000">
-            <a:off x="6108699" y="2417445"/>
-            <a:ext cx="1604824" cy="4700243"/>
+            <a:off x="6661200" y="3198669"/>
+            <a:ext cx="1454862" cy="3745203"/>
           </a:xfrm>
           <a:prstGeom prst="bentConnector2">
             <a:avLst/>
@@ -4216,8 +4213,8 @@
         </p:nvCxnSpPr>
         <p:spPr>
           <a:xfrm>
-            <a:off x="1809265" y="779582"/>
-            <a:ext cx="1292378" cy="1"/>
+            <a:off x="1809265" y="1910314"/>
+            <a:ext cx="2247418" cy="1"/>
           </a:xfrm>
           <a:prstGeom prst="straightConnector1">
             <a:avLst/>
@@ -4263,8 +4260,8 @@
         </p:nvCxnSpPr>
         <p:spPr>
           <a:xfrm>
-            <a:off x="1811751" y="3641744"/>
-            <a:ext cx="1292378" cy="7641"/>
+            <a:off x="1811751" y="3492107"/>
+            <a:ext cx="2247418" cy="7641"/>
           </a:xfrm>
           <a:prstGeom prst="straightConnector1">
             <a:avLst/>
@@ -4310,8 +4307,8 @@
         </p:nvCxnSpPr>
         <p:spPr>
           <a:xfrm flipV="1">
-            <a:off x="4563475" y="2226319"/>
-            <a:ext cx="4318534" cy="1423066"/>
+            <a:off x="5518515" y="2980922"/>
+            <a:ext cx="3363494" cy="518826"/>
           </a:xfrm>
           <a:prstGeom prst="straightConnector1">
             <a:avLst/>
@@ -4353,7 +4350,7 @@
         </p:nvSpPr>
         <p:spPr>
           <a:xfrm>
-            <a:off x="2194698" y="1935373"/>
+            <a:off x="2371225" y="3979592"/>
             <a:ext cx="1159530" cy="665282"/>
           </a:xfrm>
           <a:prstGeom prst="rect">
@@ -4407,7 +4404,7 @@
         </p:nvSpPr>
         <p:spPr>
           <a:xfrm>
-            <a:off x="4631860" y="1935373"/>
+            <a:off x="5720685" y="4077050"/>
             <a:ext cx="1190426" cy="581891"/>
           </a:xfrm>
           <a:prstGeom prst="rect">
@@ -4453,24 +4450,23 @@
       </p:sp>
       <p:cxnSp>
         <p:nvCxnSpPr>
-          <p:cNvPr id="32" name="Straight Arrow Connector 31">
-            <a:extLst>
-              <a:ext uri="{FF2B5EF4-FFF2-40B4-BE49-F238E27FC236}">
-                <a16:creationId xmlns:a16="http://schemas.microsoft.com/office/drawing/2014/main" id="{F87A4E54-69B8-4AC7-B7D2-4FA26BB40EA7}"/>
+          <p:cNvPr id="35" name="Straight Arrow Connector 34">
+            <a:extLst>
+              <a:ext uri="{FF2B5EF4-FFF2-40B4-BE49-F238E27FC236}">
+                <a16:creationId xmlns:a16="http://schemas.microsoft.com/office/drawing/2014/main" id="{C23459F7-8021-49B4-BF40-86C29D65A594}"/>
               </a:ext>
             </a:extLst>
           </p:cNvPr>
           <p:cNvCxnSpPr>
             <a:cxnSpLocks/>
-            <a:stCxn id="4" idx="3"/>
-            <a:endCxn id="28" idx="0"/>
+            <a:endCxn id="22" idx="3"/>
           </p:cNvCxnSpPr>
           <p:nvPr/>
         </p:nvCxnSpPr>
         <p:spPr>
-          <a:xfrm>
-            <a:off x="4560989" y="779583"/>
-            <a:ext cx="666084" cy="1155790"/>
+          <a:xfrm flipH="1">
+            <a:off x="3530755" y="3881725"/>
+            <a:ext cx="705349" cy="430508"/>
           </a:xfrm>
           <a:prstGeom prst="straightConnector1">
             <a:avLst/>
@@ -4500,23 +4496,23 @@
       </p:cxnSp>
       <p:cxnSp>
         <p:nvCxnSpPr>
-          <p:cNvPr id="35" name="Straight Arrow Connector 34">
-            <a:extLst>
-              <a:ext uri="{FF2B5EF4-FFF2-40B4-BE49-F238E27FC236}">
-                <a16:creationId xmlns:a16="http://schemas.microsoft.com/office/drawing/2014/main" id="{C23459F7-8021-49B4-BF40-86C29D65A594}"/>
+          <p:cNvPr id="38" name="Straight Arrow Connector 37">
+            <a:extLst>
+              <a:ext uri="{FF2B5EF4-FFF2-40B4-BE49-F238E27FC236}">
+                <a16:creationId xmlns:a16="http://schemas.microsoft.com/office/drawing/2014/main" id="{52042A23-5CCB-41DA-AFC5-12A7A16DAF4A}"/>
               </a:ext>
             </a:extLst>
           </p:cNvPr>
           <p:cNvCxnSpPr>
             <a:cxnSpLocks/>
-            <a:stCxn id="22" idx="2"/>
+            <a:endCxn id="28" idx="1"/>
           </p:cNvCxnSpPr>
           <p:nvPr/>
         </p:nvCxnSpPr>
         <p:spPr>
           <a:xfrm>
-            <a:off x="2774463" y="2600655"/>
-            <a:ext cx="677630" cy="680430"/>
+            <a:off x="5293360" y="3877610"/>
+            <a:ext cx="427325" cy="490386"/>
           </a:xfrm>
           <a:prstGeom prst="straightConnector1">
             <a:avLst/>
@@ -4544,26 +4540,304 @@
           </a:fontRef>
         </p:style>
       </p:cxnSp>
+      <p:sp>
+        <p:nvSpPr>
+          <p:cNvPr id="15" name="Rectangle 14">
+            <a:extLst>
+              <a:ext uri="{FF2B5EF4-FFF2-40B4-BE49-F238E27FC236}">
+                <a16:creationId xmlns:a16="http://schemas.microsoft.com/office/drawing/2014/main" id="{D4BB9BDB-72DA-46A7-9FE1-D5134AFF4790}"/>
+              </a:ext>
+            </a:extLst>
+          </p:cNvPr>
+          <p:cNvSpPr/>
+          <p:nvPr/>
+        </p:nvSpPr>
+        <p:spPr>
+          <a:xfrm>
+            <a:off x="105505" y="416969"/>
+            <a:ext cx="11734087" cy="496214"/>
+          </a:xfrm>
+          <a:prstGeom prst="rect">
+            <a:avLst/>
+          </a:prstGeom>
+          <a:solidFill>
+            <a:schemeClr val="accent2">
+              <a:lumMod val="40000"/>
+              <a:lumOff val="60000"/>
+              <a:alpha val="0"/>
+            </a:schemeClr>
+          </a:solidFill>
+          <a:ln>
+            <a:prstDash val="dash"/>
+          </a:ln>
+        </p:spPr>
+        <p:style>
+          <a:lnRef idx="2">
+            <a:schemeClr val="accent1">
+              <a:shade val="50000"/>
+            </a:schemeClr>
+          </a:lnRef>
+          <a:fillRef idx="1">
+            <a:schemeClr val="accent1"/>
+          </a:fillRef>
+          <a:effectRef idx="0">
+            <a:schemeClr val="accent1"/>
+          </a:effectRef>
+          <a:fontRef idx="minor">
+            <a:schemeClr val="lt1"/>
+          </a:fontRef>
+        </p:style>
+        <p:txBody>
+          <a:bodyPr rtlCol="0" anchor="t"/>
+          <a:lstStyle/>
+          <a:p>
+            <a:pPr algn="r"/>
+            <a:r>
+              <a:rPr lang="en-GB" dirty="0">
+                <a:ln w="0"/>
+                <a:solidFill>
+                  <a:schemeClr val="tx1"/>
+                </a:solidFill>
+                <a:effectLst>
+                  <a:outerShdw blurRad="38100" dist="19050" dir="2700000" algn="tl" rotWithShape="0">
+                    <a:schemeClr val="dk1">
+                      <a:alpha val="40000"/>
+                    </a:schemeClr>
+                  </a:outerShdw>
+                </a:effectLst>
+              </a:rPr>
+              <a:t>App</a:t>
+            </a:r>
+          </a:p>
+        </p:txBody>
+      </p:sp>
       <p:cxnSp>
         <p:nvCxnSpPr>
-          <p:cNvPr id="36" name="Straight Arrow Connector 35">
-            <a:extLst>
-              <a:ext uri="{FF2B5EF4-FFF2-40B4-BE49-F238E27FC236}">
-                <a16:creationId xmlns:a16="http://schemas.microsoft.com/office/drawing/2014/main" id="{95A8F295-4FA0-4EC6-9F91-353A9D964646}"/>
+          <p:cNvPr id="40" name="Straight Arrow Connector 39">
+            <a:extLst>
+              <a:ext uri="{FF2B5EF4-FFF2-40B4-BE49-F238E27FC236}">
+                <a16:creationId xmlns:a16="http://schemas.microsoft.com/office/drawing/2014/main" id="{FDED21EB-A50B-424D-9953-5D8BFD79BBB0}"/>
               </a:ext>
             </a:extLst>
           </p:cNvPr>
           <p:cNvCxnSpPr>
             <a:cxnSpLocks/>
-            <a:stCxn id="4" idx="1"/>
             <a:endCxn id="22" idx="0"/>
           </p:cNvCxnSpPr>
           <p:nvPr/>
         </p:nvCxnSpPr>
         <p:spPr>
           <a:xfrm flipH="1">
-            <a:off x="2774463" y="779583"/>
-            <a:ext cx="327180" cy="1155790"/>
+            <a:off x="2950990" y="1035878"/>
+            <a:ext cx="15424" cy="2943714"/>
+          </a:xfrm>
+          <a:prstGeom prst="straightConnector1">
+            <a:avLst/>
+          </a:prstGeom>
+          <a:ln w="22225">
+            <a:solidFill>
+              <a:schemeClr val="tx1"/>
+            </a:solidFill>
+            <a:prstDash val="dash"/>
+            <a:headEnd w="lg" len="lg"/>
+            <a:tailEnd type="stealth" w="lg" len="lg"/>
+          </a:ln>
+        </p:spPr>
+        <p:style>
+          <a:lnRef idx="1">
+            <a:schemeClr val="accent1"/>
+          </a:lnRef>
+          <a:fillRef idx="0">
+            <a:schemeClr val="accent1"/>
+          </a:fillRef>
+          <a:effectRef idx="0">
+            <a:schemeClr val="accent1"/>
+          </a:effectRef>
+          <a:fontRef idx="minor">
+            <a:schemeClr val="tx1"/>
+          </a:fontRef>
+        </p:style>
+      </p:cxnSp>
+      <p:cxnSp>
+        <p:nvCxnSpPr>
+          <p:cNvPr id="47" name="Straight Arrow Connector 46">
+            <a:extLst>
+              <a:ext uri="{FF2B5EF4-FFF2-40B4-BE49-F238E27FC236}">
+                <a16:creationId xmlns:a16="http://schemas.microsoft.com/office/drawing/2014/main" id="{6D2B145D-BD5C-42E5-B562-438E304914D9}"/>
+              </a:ext>
+            </a:extLst>
+          </p:cNvPr>
+          <p:cNvCxnSpPr>
+            <a:cxnSpLocks/>
+            <a:endCxn id="28" idx="0"/>
+          </p:cNvCxnSpPr>
+          <p:nvPr/>
+        </p:nvCxnSpPr>
+        <p:spPr>
+          <a:xfrm>
+            <a:off x="6297988" y="920086"/>
+            <a:ext cx="17910" cy="3156964"/>
+          </a:xfrm>
+          <a:prstGeom prst="straightConnector1">
+            <a:avLst/>
+          </a:prstGeom>
+          <a:ln w="22225">
+            <a:solidFill>
+              <a:schemeClr val="tx1"/>
+            </a:solidFill>
+            <a:prstDash val="dash"/>
+            <a:headEnd w="lg" len="lg"/>
+            <a:tailEnd type="stealth" w="lg" len="lg"/>
+          </a:ln>
+        </p:spPr>
+        <p:style>
+          <a:lnRef idx="1">
+            <a:schemeClr val="accent1"/>
+          </a:lnRef>
+          <a:fillRef idx="0">
+            <a:schemeClr val="accent1"/>
+          </a:fillRef>
+          <a:effectRef idx="0">
+            <a:schemeClr val="accent1"/>
+          </a:effectRef>
+          <a:fontRef idx="minor">
+            <a:schemeClr val="tx1"/>
+          </a:fontRef>
+        </p:style>
+      </p:cxnSp>
+      <p:sp>
+        <p:nvSpPr>
+          <p:cNvPr id="44" name="Rectangle 43">
+            <a:extLst>
+              <a:ext uri="{FF2B5EF4-FFF2-40B4-BE49-F238E27FC236}">
+                <a16:creationId xmlns:a16="http://schemas.microsoft.com/office/drawing/2014/main" id="{B37B0D92-E578-43EB-BE18-545FDFAA7DE5}"/>
+              </a:ext>
+            </a:extLst>
+          </p:cNvPr>
+          <p:cNvSpPr/>
+          <p:nvPr/>
+        </p:nvSpPr>
+        <p:spPr>
+          <a:xfrm>
+            <a:off x="2537295" y="2278047"/>
+            <a:ext cx="875298" cy="353346"/>
+          </a:xfrm>
+          <a:prstGeom prst="rect">
+            <a:avLst/>
+          </a:prstGeom>
+          <a:noFill/>
+          <a:ln>
+            <a:noFill/>
+          </a:ln>
+        </p:spPr>
+        <p:style>
+          <a:lnRef idx="2">
+            <a:schemeClr val="accent1">
+              <a:shade val="50000"/>
+            </a:schemeClr>
+          </a:lnRef>
+          <a:fillRef idx="1">
+            <a:schemeClr val="accent1"/>
+          </a:fillRef>
+          <a:effectRef idx="0">
+            <a:schemeClr val="accent1"/>
+          </a:effectRef>
+          <a:fontRef idx="minor">
+            <a:schemeClr val="lt1"/>
+          </a:fontRef>
+        </p:style>
+        <p:txBody>
+          <a:bodyPr rtlCol="0" anchor="ctr"/>
+          <a:lstStyle/>
+          <a:p>
+            <a:pPr algn="ctr"/>
+            <a:r>
+              <a:rPr lang="en-GB" sz="1400" b="1" dirty="0">
+                <a:solidFill>
+                  <a:schemeClr val="tx1"/>
+                </a:solidFill>
+              </a:rPr>
+              <a:t>injected</a:t>
+            </a:r>
+          </a:p>
+        </p:txBody>
+      </p:sp>
+      <p:sp>
+        <p:nvSpPr>
+          <p:cNvPr id="45" name="Rectangle 44">
+            <a:extLst>
+              <a:ext uri="{FF2B5EF4-FFF2-40B4-BE49-F238E27FC236}">
+                <a16:creationId xmlns:a16="http://schemas.microsoft.com/office/drawing/2014/main" id="{D56D358D-85C9-49BE-8F72-EA4B8031220D}"/>
+              </a:ext>
+            </a:extLst>
+          </p:cNvPr>
+          <p:cNvSpPr/>
+          <p:nvPr/>
+        </p:nvSpPr>
+        <p:spPr>
+          <a:xfrm>
+            <a:off x="5878249" y="2272397"/>
+            <a:ext cx="875298" cy="353346"/>
+          </a:xfrm>
+          <a:prstGeom prst="rect">
+            <a:avLst/>
+          </a:prstGeom>
+          <a:noFill/>
+          <a:ln>
+            <a:noFill/>
+          </a:ln>
+        </p:spPr>
+        <p:style>
+          <a:lnRef idx="2">
+            <a:schemeClr val="accent1">
+              <a:shade val="50000"/>
+            </a:schemeClr>
+          </a:lnRef>
+          <a:fillRef idx="1">
+            <a:schemeClr val="accent1"/>
+          </a:fillRef>
+          <a:effectRef idx="0">
+            <a:schemeClr val="accent1"/>
+          </a:effectRef>
+          <a:fontRef idx="minor">
+            <a:schemeClr val="lt1"/>
+          </a:fontRef>
+        </p:style>
+        <p:txBody>
+          <a:bodyPr rtlCol="0" anchor="ctr"/>
+          <a:lstStyle/>
+          <a:p>
+            <a:pPr algn="ctr"/>
+            <a:r>
+              <a:rPr lang="en-GB" sz="1400" b="1" dirty="0">
+                <a:solidFill>
+                  <a:schemeClr val="tx1"/>
+                </a:solidFill>
+              </a:rPr>
+              <a:t>injected</a:t>
+            </a:r>
+          </a:p>
+        </p:txBody>
+      </p:sp>
+      <p:cxnSp>
+        <p:nvCxnSpPr>
+          <p:cNvPr id="57" name="Straight Arrow Connector 56">
+            <a:extLst>
+              <a:ext uri="{FF2B5EF4-FFF2-40B4-BE49-F238E27FC236}">
+                <a16:creationId xmlns:a16="http://schemas.microsoft.com/office/drawing/2014/main" id="{B26931F8-4377-4606-A866-AC5304462DB8}"/>
+              </a:ext>
+            </a:extLst>
+          </p:cNvPr>
+          <p:cNvCxnSpPr>
+            <a:cxnSpLocks/>
+            <a:endCxn id="4" idx="0"/>
+          </p:cNvCxnSpPr>
+          <p:nvPr/>
+        </p:nvCxnSpPr>
+        <p:spPr>
+          <a:xfrm>
+            <a:off x="4786356" y="938778"/>
+            <a:ext cx="0" cy="680591"/>
           </a:xfrm>
           <a:prstGeom prst="straightConnector1">
             <a:avLst/>
@@ -4591,171 +4865,6 @@
           </a:fontRef>
         </p:style>
       </p:cxnSp>
-      <p:cxnSp>
-        <p:nvCxnSpPr>
-          <p:cNvPr id="38" name="Straight Arrow Connector 37">
-            <a:extLst>
-              <a:ext uri="{FF2B5EF4-FFF2-40B4-BE49-F238E27FC236}">
-                <a16:creationId xmlns:a16="http://schemas.microsoft.com/office/drawing/2014/main" id="{52042A23-5CCB-41DA-AFC5-12A7A16DAF4A}"/>
-              </a:ext>
-            </a:extLst>
-          </p:cNvPr>
-          <p:cNvCxnSpPr>
-            <a:cxnSpLocks/>
-            <a:stCxn id="28" idx="2"/>
-          </p:cNvCxnSpPr>
-          <p:nvPr/>
-        </p:nvCxnSpPr>
-        <p:spPr>
-          <a:xfrm flipH="1">
-            <a:off x="4283895" y="2517264"/>
-            <a:ext cx="943178" cy="724392"/>
-          </a:xfrm>
-          <a:prstGeom prst="straightConnector1">
-            <a:avLst/>
-          </a:prstGeom>
-          <a:ln w="38100">
-            <a:solidFill>
-              <a:schemeClr val="tx1"/>
-            </a:solidFill>
-            <a:headEnd w="lg" len="lg"/>
-            <a:tailEnd type="stealth" w="lg" len="lg"/>
-          </a:ln>
-        </p:spPr>
-        <p:style>
-          <a:lnRef idx="1">
-            <a:schemeClr val="accent1"/>
-          </a:lnRef>
-          <a:fillRef idx="0">
-            <a:schemeClr val="accent1"/>
-          </a:fillRef>
-          <a:effectRef idx="0">
-            <a:schemeClr val="accent1"/>
-          </a:effectRef>
-          <a:fontRef idx="minor">
-            <a:schemeClr val="tx1"/>
-          </a:fontRef>
-        </p:style>
-      </p:cxnSp>
-      <p:sp>
-        <p:nvSpPr>
-          <p:cNvPr id="50" name="Rectangle 1">
-            <a:extLst>
-              <a:ext uri="{FF2B5EF4-FFF2-40B4-BE49-F238E27FC236}">
-                <a16:creationId xmlns:a16="http://schemas.microsoft.com/office/drawing/2014/main" id="{A6BD8706-C79D-4D22-A5C5-1ECC4E258D85}"/>
-              </a:ext>
-            </a:extLst>
-          </p:cNvPr>
-          <p:cNvSpPr>
-            <a:spLocks noChangeArrowheads="1"/>
-          </p:cNvSpPr>
-          <p:nvPr/>
-        </p:nvSpPr>
-        <p:spPr bwMode="auto">
-          <a:xfrm>
-            <a:off x="0" y="0"/>
-            <a:ext cx="12192000" cy="0"/>
-          </a:xfrm>
-          <a:prstGeom prst="rect">
-            <a:avLst/>
-          </a:prstGeom>
-          <a:noFill/>
-          <a:ln>
-            <a:noFill/>
-          </a:ln>
-          <a:effectLst/>
-          <a:extLst>
-            <a:ext uri="{909E8E84-426E-40DD-AFC4-6F175D3DCCD1}">
-              <a14:hiddenFill xmlns:a14="http://schemas.microsoft.com/office/drawing/2010/main">
-                <a:solidFill>
-                  <a:schemeClr val="accent1"/>
-                </a:solidFill>
-              </a14:hiddenFill>
-            </a:ext>
-            <a:ext uri="{91240B29-F687-4F45-9708-019B960494DF}">
-              <a14:hiddenLine xmlns:a14="http://schemas.microsoft.com/office/drawing/2010/main" w="9525">
-                <a:solidFill>
-                  <a:schemeClr val="tx1"/>
-                </a:solidFill>
-                <a:miter lim="800000"/>
-                <a:headEnd/>
-                <a:tailEnd/>
-              </a14:hiddenLine>
-            </a:ext>
-            <a:ext uri="{AF507438-7753-43E0-B8FC-AC1667EBCBE1}">
-              <a14:hiddenEffects xmlns:a14="http://schemas.microsoft.com/office/drawing/2010/main">
-                <a:effectLst>
-                  <a:outerShdw dist="35921" dir="2700000" algn="ctr" rotWithShape="0">
-                    <a:schemeClr val="bg2"/>
-                  </a:outerShdw>
-                </a:effectLst>
-              </a14:hiddenEffects>
-            </a:ext>
-          </a:extLst>
-        </p:spPr>
-        <p:txBody>
-          <a:bodyPr vert="horz" wrap="none" lIns="91440" tIns="45720" rIns="91440" bIns="45720" numCol="1" anchor="ctr" anchorCtr="0" compatLnSpc="1">
-            <a:prstTxWarp prst="textNoShape">
-              <a:avLst/>
-            </a:prstTxWarp>
-            <a:spAutoFit/>
-          </a:bodyPr>
-          <a:lstStyle/>
-          <a:p>
-            <a:pPr marL="0" marR="0" lvl="0" indent="0" algn="l" defTabSz="914400" rtl="0" eaLnBrk="0" fontAlgn="base" latinLnBrk="0" hangingPunct="0">
-              <a:lnSpc>
-                <a:spcPct val="100000"/>
-              </a:lnSpc>
-              <a:spcBef>
-                <a:spcPct val="0"/>
-              </a:spcBef>
-              <a:spcAft>
-                <a:spcPct val="0"/>
-              </a:spcAft>
-              <a:buClrTx/>
-              <a:buSzTx/>
-              <a:buFontTx/>
-              <a:buNone/>
-              <a:tabLst/>
-            </a:pPr>
-            <a:r>
-              <a:rPr kumimoji="0" lang="en-US" altLang="en-US" sz="1200" b="0" i="0" u="none" strike="noStrike" cap="none" normalizeH="0" baseline="0">
-                <a:ln>
-                  <a:noFill/>
-                </a:ln>
-                <a:solidFill>
-                  <a:srgbClr val="333333"/>
-                </a:solidFill>
-                <a:effectLst/>
-                <a:latin typeface="Open Sans"/>
-              </a:rPr>
-              <a:t>Entities</a:t>
-            </a:r>
-            <a:r>
-              <a:rPr kumimoji="0" lang="en-US" altLang="en-US" sz="800" b="0" i="0" u="none" strike="noStrike" cap="none" normalizeH="0" baseline="0">
-                <a:ln>
-                  <a:noFill/>
-                </a:ln>
-                <a:solidFill>
-                  <a:schemeClr val="tx1"/>
-                </a:solidFill>
-                <a:effectLst/>
-              </a:rPr>
-              <a:t> </a:t>
-            </a:r>
-            <a:endParaRPr kumimoji="0" lang="en-US" altLang="en-US" sz="1800" b="0" i="0" u="none" strike="noStrike" cap="none" normalizeH="0" baseline="0">
-              <a:ln>
-                <a:noFill/>
-              </a:ln>
-              <a:solidFill>
-                <a:schemeClr val="tx1"/>
-              </a:solidFill>
-              <a:effectLst/>
-              <a:latin typeface="Arial" panose="020B0604020202020204" pitchFamily="34" charset="0"/>
-            </a:endParaRPr>
-          </a:p>
-        </p:txBody>
-      </p:sp>
     </p:spTree>
     <p:extLst>
       <p:ext uri="{BB962C8B-B14F-4D97-AF65-F5344CB8AC3E}">

--- a/docs/demo20.node.api.pptx
+++ b/docs/demo20.node.api.pptx
@@ -4350,7 +4350,7 @@
         </p:nvSpPr>
         <p:spPr>
           <a:xfrm>
-            <a:off x="2371225" y="3979592"/>
+            <a:off x="2371225" y="3979599"/>
             <a:ext cx="1159530" cy="665282"/>
           </a:xfrm>
           <a:prstGeom prst="rect">
@@ -4465,7 +4465,7 @@
         </p:nvCxnSpPr>
         <p:spPr>
           <a:xfrm flipH="1">
-            <a:off x="3530755" y="3881725"/>
+            <a:off x="3530755" y="3881732"/>
             <a:ext cx="705349" cy="430508"/>
           </a:xfrm>
           <a:prstGeom prst="straightConnector1">
@@ -4561,11 +4561,7 @@
             <a:avLst/>
           </a:prstGeom>
           <a:solidFill>
-            <a:schemeClr val="accent2">
-              <a:lumMod val="40000"/>
-              <a:lumOff val="60000"/>
-              <a:alpha val="0"/>
-            </a:schemeClr>
+            <a:schemeClr val="bg1"/>
           </a:solidFill>
           <a:ln>
             <a:prstDash val="dash"/>
@@ -4627,9 +4623,9 @@
           <p:nvPr/>
         </p:nvCxnSpPr>
         <p:spPr>
-          <a:xfrm flipH="1">
-            <a:off x="2950990" y="1035878"/>
-            <a:ext cx="15424" cy="2943714"/>
+          <a:xfrm>
+            <a:off x="2950990" y="920086"/>
+            <a:ext cx="0" cy="3059513"/>
           </a:xfrm>
           <a:prstGeom prst="straightConnector1">
             <a:avLst/>

--- a/docs/demo20.node.api.pptx
+++ b/docs/demo20.node.api.pptx
@@ -3471,7 +3471,7 @@
           <a:p>
             <a:pPr algn="r"/>
             <a:r>
-              <a:rPr lang="en-GB" dirty="0">
+              <a:rPr lang="en-GB">
                 <a:ln w="0"/>
                 <a:solidFill>
                   <a:schemeClr val="tx1"/>
@@ -3484,8 +3484,21 @@
                   </a:outerShdw>
                 </a:effectLst>
               </a:rPr>
-              <a:t>Business layer</a:t>
-            </a:r>
+              <a:t>Business logic layer</a:t>
+            </a:r>
+            <a:endParaRPr lang="en-GB" dirty="0">
+              <a:ln w="0"/>
+              <a:solidFill>
+                <a:schemeClr val="tx1"/>
+              </a:solidFill>
+              <a:effectLst>
+                <a:outerShdw blurRad="38100" dist="19050" dir="2700000" algn="tl" rotWithShape="0">
+                  <a:schemeClr val="dk1">
+                    <a:alpha val="40000"/>
+                  </a:schemeClr>
+                </a:outerShdw>
+              </a:effectLst>
+            </a:endParaRPr>
           </a:p>
         </p:txBody>
       </p:sp>
